--- a/MakeReport/Robustness Check of Traction Controll.pptx
+++ b/MakeReport/Robustness Check of Traction Controll.pptx
@@ -30,6 +30,10 @@
     <p:sldId id="278" r:id="rId28"/>
     <p:sldId id="279" r:id="rId29"/>
     <p:sldId id="280" r:id="rId30"/>
+    <p:sldId id="281" r:id="rId31"/>
+    <p:sldId id="282" r:id="rId32"/>
+    <p:sldId id="283" r:id="rId33"/>
+    <p:sldId id="284" r:id="rId34"/>
   </p:sldIdLst>
   <p:sldSz cx="9144000" cy="6858000" type="screen4x3"/>
   <p:notesSz cx="6858000" cy="9144000"/>
@@ -2289,7 +2293,7 @@
           <a:lstStyle/>
           <a:p>
             <a:r>
-              <a:t>VeloDelay=320</a:t>
+              <a:t>VeloDelay=100</a:t>
             </a:r>
           </a:p>
         </p:txBody>
@@ -2408,7 +2412,7 @@
           <a:lstStyle/>
           <a:p>
             <a:r>
-              <a:t>mu difference x0.3</a:t>
+              <a:t>VeloDelay=120</a:t>
             </a:r>
           </a:p>
         </p:txBody>
@@ -2527,7 +2531,7 @@
           <a:lstStyle/>
           <a:p>
             <a:r>
-              <a:t>mu difference x0.4</a:t>
+              <a:t>VeloDelay=160</a:t>
             </a:r>
           </a:p>
         </p:txBody>
@@ -2646,7 +2650,7 @@
           <a:lstStyle/>
           <a:p>
             <a:r>
-              <a:t>mu difference x0.5</a:t>
+              <a:t>VeloDelay=240</a:t>
             </a:r>
           </a:p>
         </p:txBody>
@@ -2765,7 +2769,7 @@
           <a:lstStyle/>
           <a:p>
             <a:r>
-              <a:t>mu difference x0.6</a:t>
+              <a:t>VeloDelay=320</a:t>
             </a:r>
           </a:p>
         </p:txBody>
@@ -2884,7 +2888,7 @@
           <a:lstStyle/>
           <a:p>
             <a:r>
-              <a:t>mu difference x0.7</a:t>
+              <a:t>mu difference x0.3</a:t>
             </a:r>
           </a:p>
         </p:txBody>
@@ -3003,7 +3007,7 @@
           <a:lstStyle/>
           <a:p>
             <a:r>
-              <a:t>mu difference x0.8</a:t>
+              <a:t>mu difference x0.4</a:t>
             </a:r>
           </a:p>
         </p:txBody>
@@ -3122,7 +3126,7 @@
           <a:lstStyle/>
           <a:p>
             <a:r>
-              <a:t>mu difference x0.9</a:t>
+              <a:t>mu difference x0.5</a:t>
             </a:r>
           </a:p>
         </p:txBody>
@@ -3241,7 +3245,7 @@
           <a:lstStyle/>
           <a:p>
             <a:r>
-              <a:t>mu difference x0.95</a:t>
+              <a:t>mu difference x0.6</a:t>
             </a:r>
           </a:p>
         </p:txBody>
@@ -3360,7 +3364,7 @@
           <a:lstStyle/>
           <a:p>
             <a:r>
-              <a:t>SlipEnergy difference</a:t>
+              <a:t>mu difference x0.7</a:t>
             </a:r>
           </a:p>
         </p:txBody>
@@ -3479,7 +3483,7 @@
           <a:lstStyle/>
           <a:p>
             <a:r>
-              <a:t>VeloDelay=0</a:t>
+              <a:t>AllTractionControl</a:t>
             </a:r>
           </a:p>
         </p:txBody>
@@ -3508,44 +3512,8 @@
         </p:blipFill>
         <p:spPr>
           <a:xfrm>
-            <a:off x="339471" y="1047357"/>
-            <a:ext cx="4061803" cy="5078414"/>
-          </a:xfrm>
-          <a:prstGeom prst="rect"/>
-        </p:spPr>
-      </p:pic>
-      <p:pic>
-        <p:nvPicPr>
-          <p:cNvPr id="4" name="Content2">
-            <a:extLst>
-              <a:ext uri="{FF2B5EF4-FFF2-40B4-BE49-F238E27FC236}">
-                <a16:creationId xmlns:a16="http://schemas.microsoft.com/office/drawing/2014/main" id="{DD279F9E-6E87-CBAF-5775-B4B0CC0BC9F8}"/>
-              </a:ext>
-            </a:extLst>
-          </p:cNvPr>
-          <p:cNvPicPr>
-            <a:picLocks noChangeAspect="1" noGrp="1"/>
-          </p:cNvPicPr>
-          <p:nvPr>
-            <p:ph idx="10"/>
-          </p:nvPr>
-        </p:nvPicPr>
-        <p:blipFill>
-          <a:blip r:embed="rId3">
-            <a:extLst>
-              <a:ext uri="{28A0092B-C50C-407E-A947-70E740481C1C}">
-                <a14:useLocalDpi xmlns:a14="http://schemas.microsoft.com/office/drawing/2010/main" val="0"/>
-              </a:ext>
-            </a:extLst>
-          </a:blip>
-          <a:stretch>
-            <a:fillRect/>
-          </a:stretch>
-        </p:blipFill>
-        <p:spPr>
-          <a:xfrm>
-            <a:off x="4742727" y="1047357"/>
-            <a:ext cx="4061803" cy="5078414"/>
+            <a:off x="339471" y="1287634"/>
+            <a:ext cx="8586155" cy="4597859"/>
           </a:xfrm>
           <a:prstGeom prst="rect"/>
         </p:spPr>
@@ -3553,7 +3521,7 @@
     </p:spTree>
     <p:extLst>
       <p:ext uri="{BB962C8B-B14F-4D97-AF65-F5344CB8AC3E}">
-        <p14:creationId xmlns:p14="http://schemas.microsoft.com/office/powerpoint/2010/main" val="3457015451"/>
+        <p14:creationId xmlns:p14="http://schemas.microsoft.com/office/powerpoint/2010/main" val="1534215338"/>
       </p:ext>
     </p:extLst>
   </p:cSld>
@@ -3598,7 +3566,7 @@
           <a:lstStyle/>
           <a:p>
             <a:r>
-              <a:t>SlipEnergy difference</a:t>
+              <a:t>mu difference x0.8</a:t>
             </a:r>
           </a:p>
         </p:txBody>
@@ -3717,7 +3685,7 @@
           <a:lstStyle/>
           <a:p>
             <a:r>
-              <a:t>SlipEnergy difference</a:t>
+              <a:t>mu difference x0.9</a:t>
             </a:r>
           </a:p>
         </p:txBody>
@@ -3836,7 +3804,7 @@
           <a:lstStyle/>
           <a:p>
             <a:r>
-              <a:t>SlipEnergy difference</a:t>
+              <a:t>mu difference x0.95</a:t>
             </a:r>
           </a:p>
         </p:txBody>
@@ -4274,6 +4242,482 @@
 </p:sld>
 </file>
 
+<file path=ppt/slides/slide26.xml><?xml version="1.0" encoding="utf-8"?>
+<p:sld xmlns:a="http://schemas.openxmlformats.org/drawingml/2006/main" xmlns:p="http://schemas.openxmlformats.org/presentationml/2006/main" xmlns:r="http://schemas.openxmlformats.org/officeDocument/2006/relationships">
+  <p:cSld name="">
+    <p:spTree>
+      <p:nvGrpSpPr>
+        <p:cNvPr id="1" name=""/>
+        <p:cNvGrpSpPr/>
+        <p:nvPr/>
+      </p:nvGrpSpPr>
+      <p:grpSpPr>
+        <a:xfrm>
+          <a:off x="0" y="0"/>
+          <a:ext cx="0" cy="0"/>
+          <a:chOff x="0" y="0"/>
+          <a:chExt cx="0" cy="0"/>
+        </a:xfrm>
+      </p:grpSpPr>
+      <p:sp>
+        <p:nvSpPr>
+          <p:cNvPr id="2" name="Title"/>
+          <p:cNvSpPr>
+            <a:spLocks noGrp="1"/>
+          </p:cNvSpPr>
+          <p:nvPr>
+            <p:ph type="title"/>
+          </p:nvPr>
+        </p:nvSpPr>
+        <p:spPr>
+          <a:xfrm>
+            <a:off x="251113" y="136526"/>
+            <a:ext cx="7886700" cy="668147"/>
+          </a:xfrm>
+        </p:spPr>
+        <p:txBody>
+          <a:bodyPr/>
+          <a:lstStyle/>
+          <a:p>
+            <a:r>
+              <a:t>SlipEnergy difference</a:t>
+            </a:r>
+          </a:p>
+        </p:txBody>
+      </p:sp>
+      <p:pic>
+        <p:nvPicPr>
+          <p:cNvPr id="3" name="Content1"/>
+          <p:cNvPicPr>
+            <a:picLocks noChangeAspect="1" noGrp="1"/>
+          </p:cNvPicPr>
+          <p:nvPr>
+            <p:ph idx="1"/>
+          </p:nvPr>
+        </p:nvPicPr>
+        <p:blipFill>
+          <a:blip r:embed="rId2">
+            <a:extLst>
+              <a:ext uri="{28A0092B-C50C-407E-A947-70E740481C1C}">
+                <a14:useLocalDpi xmlns:a14="http://schemas.microsoft.com/office/drawing/2010/main" val="0"/>
+              </a:ext>
+            </a:extLst>
+          </a:blip>
+          <a:stretch>
+            <a:fillRect/>
+          </a:stretch>
+        </p:blipFill>
+        <p:spPr>
+          <a:xfrm>
+            <a:off x="339471" y="1047357"/>
+            <a:ext cx="4061803" cy="5078414"/>
+          </a:xfrm>
+          <a:prstGeom prst="rect"/>
+        </p:spPr>
+      </p:pic>
+      <p:pic>
+        <p:nvPicPr>
+          <p:cNvPr id="4" name="Content2">
+            <a:extLst>
+              <a:ext uri="{FF2B5EF4-FFF2-40B4-BE49-F238E27FC236}">
+                <a16:creationId xmlns:a16="http://schemas.microsoft.com/office/drawing/2014/main" id="{DD279F9E-6E87-CBAF-5775-B4B0CC0BC9F8}"/>
+              </a:ext>
+            </a:extLst>
+          </p:cNvPr>
+          <p:cNvPicPr>
+            <a:picLocks noChangeAspect="1" noGrp="1"/>
+          </p:cNvPicPr>
+          <p:nvPr>
+            <p:ph idx="10"/>
+          </p:nvPr>
+        </p:nvPicPr>
+        <p:blipFill>
+          <a:blip r:embed="rId3">
+            <a:extLst>
+              <a:ext uri="{28A0092B-C50C-407E-A947-70E740481C1C}">
+                <a14:useLocalDpi xmlns:a14="http://schemas.microsoft.com/office/drawing/2010/main" val="0"/>
+              </a:ext>
+            </a:extLst>
+          </a:blip>
+          <a:stretch>
+            <a:fillRect/>
+          </a:stretch>
+        </p:blipFill>
+        <p:spPr>
+          <a:xfrm>
+            <a:off x="4742727" y="1047357"/>
+            <a:ext cx="4061803" cy="5078414"/>
+          </a:xfrm>
+          <a:prstGeom prst="rect"/>
+        </p:spPr>
+      </p:pic>
+    </p:spTree>
+    <p:extLst>
+      <p:ext uri="{BB962C8B-B14F-4D97-AF65-F5344CB8AC3E}">
+        <p14:creationId xmlns:p14="http://schemas.microsoft.com/office/powerpoint/2010/main" val="3457015451"/>
+      </p:ext>
+    </p:extLst>
+  </p:cSld>
+</p:sld>
+</file>
+
+<file path=ppt/slides/slide27.xml><?xml version="1.0" encoding="utf-8"?>
+<p:sld xmlns:a="http://schemas.openxmlformats.org/drawingml/2006/main" xmlns:p="http://schemas.openxmlformats.org/presentationml/2006/main" xmlns:r="http://schemas.openxmlformats.org/officeDocument/2006/relationships">
+  <p:cSld name="">
+    <p:spTree>
+      <p:nvGrpSpPr>
+        <p:cNvPr id="1" name=""/>
+        <p:cNvGrpSpPr/>
+        <p:nvPr/>
+      </p:nvGrpSpPr>
+      <p:grpSpPr>
+        <a:xfrm>
+          <a:off x="0" y="0"/>
+          <a:ext cx="0" cy="0"/>
+          <a:chOff x="0" y="0"/>
+          <a:chExt cx="0" cy="0"/>
+        </a:xfrm>
+      </p:grpSpPr>
+      <p:sp>
+        <p:nvSpPr>
+          <p:cNvPr id="2" name="Title"/>
+          <p:cNvSpPr>
+            <a:spLocks noGrp="1"/>
+          </p:cNvSpPr>
+          <p:nvPr>
+            <p:ph type="title"/>
+          </p:nvPr>
+        </p:nvSpPr>
+        <p:spPr>
+          <a:xfrm>
+            <a:off x="251113" y="136526"/>
+            <a:ext cx="7886700" cy="668147"/>
+          </a:xfrm>
+        </p:spPr>
+        <p:txBody>
+          <a:bodyPr/>
+          <a:lstStyle/>
+          <a:p>
+            <a:r>
+              <a:t>SlipEnergy difference</a:t>
+            </a:r>
+          </a:p>
+        </p:txBody>
+      </p:sp>
+      <p:pic>
+        <p:nvPicPr>
+          <p:cNvPr id="3" name="Content1"/>
+          <p:cNvPicPr>
+            <a:picLocks noChangeAspect="1" noGrp="1"/>
+          </p:cNvPicPr>
+          <p:nvPr>
+            <p:ph idx="1"/>
+          </p:nvPr>
+        </p:nvPicPr>
+        <p:blipFill>
+          <a:blip r:embed="rId2">
+            <a:extLst>
+              <a:ext uri="{28A0092B-C50C-407E-A947-70E740481C1C}">
+                <a14:useLocalDpi xmlns:a14="http://schemas.microsoft.com/office/drawing/2010/main" val="0"/>
+              </a:ext>
+            </a:extLst>
+          </a:blip>
+          <a:stretch>
+            <a:fillRect/>
+          </a:stretch>
+        </p:blipFill>
+        <p:spPr>
+          <a:xfrm>
+            <a:off x="339471" y="1047357"/>
+            <a:ext cx="4061803" cy="5078414"/>
+          </a:xfrm>
+          <a:prstGeom prst="rect"/>
+        </p:spPr>
+      </p:pic>
+      <p:pic>
+        <p:nvPicPr>
+          <p:cNvPr id="4" name="Content2">
+            <a:extLst>
+              <a:ext uri="{FF2B5EF4-FFF2-40B4-BE49-F238E27FC236}">
+                <a16:creationId xmlns:a16="http://schemas.microsoft.com/office/drawing/2014/main" id="{DD279F9E-6E87-CBAF-5775-B4B0CC0BC9F8}"/>
+              </a:ext>
+            </a:extLst>
+          </p:cNvPr>
+          <p:cNvPicPr>
+            <a:picLocks noChangeAspect="1" noGrp="1"/>
+          </p:cNvPicPr>
+          <p:nvPr>
+            <p:ph idx="10"/>
+          </p:nvPr>
+        </p:nvPicPr>
+        <p:blipFill>
+          <a:blip r:embed="rId3">
+            <a:extLst>
+              <a:ext uri="{28A0092B-C50C-407E-A947-70E740481C1C}">
+                <a14:useLocalDpi xmlns:a14="http://schemas.microsoft.com/office/drawing/2010/main" val="0"/>
+              </a:ext>
+            </a:extLst>
+          </a:blip>
+          <a:stretch>
+            <a:fillRect/>
+          </a:stretch>
+        </p:blipFill>
+        <p:spPr>
+          <a:xfrm>
+            <a:off x="4742727" y="1047357"/>
+            <a:ext cx="4061803" cy="5078414"/>
+          </a:xfrm>
+          <a:prstGeom prst="rect"/>
+        </p:spPr>
+      </p:pic>
+    </p:spTree>
+    <p:extLst>
+      <p:ext uri="{BB962C8B-B14F-4D97-AF65-F5344CB8AC3E}">
+        <p14:creationId xmlns:p14="http://schemas.microsoft.com/office/powerpoint/2010/main" val="3457015451"/>
+      </p:ext>
+    </p:extLst>
+  </p:cSld>
+</p:sld>
+</file>
+
+<file path=ppt/slides/slide28.xml><?xml version="1.0" encoding="utf-8"?>
+<p:sld xmlns:a="http://schemas.openxmlformats.org/drawingml/2006/main" xmlns:p="http://schemas.openxmlformats.org/presentationml/2006/main" xmlns:r="http://schemas.openxmlformats.org/officeDocument/2006/relationships">
+  <p:cSld name="">
+    <p:spTree>
+      <p:nvGrpSpPr>
+        <p:cNvPr id="1" name=""/>
+        <p:cNvGrpSpPr/>
+        <p:nvPr/>
+      </p:nvGrpSpPr>
+      <p:grpSpPr>
+        <a:xfrm>
+          <a:off x="0" y="0"/>
+          <a:ext cx="0" cy="0"/>
+          <a:chOff x="0" y="0"/>
+          <a:chExt cx="0" cy="0"/>
+        </a:xfrm>
+      </p:grpSpPr>
+      <p:sp>
+        <p:nvSpPr>
+          <p:cNvPr id="2" name="Title"/>
+          <p:cNvSpPr>
+            <a:spLocks noGrp="1"/>
+          </p:cNvSpPr>
+          <p:nvPr>
+            <p:ph type="title"/>
+          </p:nvPr>
+        </p:nvSpPr>
+        <p:spPr>
+          <a:xfrm>
+            <a:off x="251113" y="136526"/>
+            <a:ext cx="7886700" cy="668147"/>
+          </a:xfrm>
+        </p:spPr>
+        <p:txBody>
+          <a:bodyPr/>
+          <a:lstStyle/>
+          <a:p>
+            <a:r>
+              <a:t>SlipEnergy difference</a:t>
+            </a:r>
+          </a:p>
+        </p:txBody>
+      </p:sp>
+      <p:pic>
+        <p:nvPicPr>
+          <p:cNvPr id="3" name="Content1"/>
+          <p:cNvPicPr>
+            <a:picLocks noChangeAspect="1" noGrp="1"/>
+          </p:cNvPicPr>
+          <p:nvPr>
+            <p:ph idx="1"/>
+          </p:nvPr>
+        </p:nvPicPr>
+        <p:blipFill>
+          <a:blip r:embed="rId2">
+            <a:extLst>
+              <a:ext uri="{28A0092B-C50C-407E-A947-70E740481C1C}">
+                <a14:useLocalDpi xmlns:a14="http://schemas.microsoft.com/office/drawing/2010/main" val="0"/>
+              </a:ext>
+            </a:extLst>
+          </a:blip>
+          <a:stretch>
+            <a:fillRect/>
+          </a:stretch>
+        </p:blipFill>
+        <p:spPr>
+          <a:xfrm>
+            <a:off x="339471" y="1047357"/>
+            <a:ext cx="4061803" cy="5078414"/>
+          </a:xfrm>
+          <a:prstGeom prst="rect"/>
+        </p:spPr>
+      </p:pic>
+      <p:pic>
+        <p:nvPicPr>
+          <p:cNvPr id="4" name="Content2">
+            <a:extLst>
+              <a:ext uri="{FF2B5EF4-FFF2-40B4-BE49-F238E27FC236}">
+                <a16:creationId xmlns:a16="http://schemas.microsoft.com/office/drawing/2014/main" id="{DD279F9E-6E87-CBAF-5775-B4B0CC0BC9F8}"/>
+              </a:ext>
+            </a:extLst>
+          </p:cNvPr>
+          <p:cNvPicPr>
+            <a:picLocks noChangeAspect="1" noGrp="1"/>
+          </p:cNvPicPr>
+          <p:nvPr>
+            <p:ph idx="10"/>
+          </p:nvPr>
+        </p:nvPicPr>
+        <p:blipFill>
+          <a:blip r:embed="rId3">
+            <a:extLst>
+              <a:ext uri="{28A0092B-C50C-407E-A947-70E740481C1C}">
+                <a14:useLocalDpi xmlns:a14="http://schemas.microsoft.com/office/drawing/2010/main" val="0"/>
+              </a:ext>
+            </a:extLst>
+          </a:blip>
+          <a:stretch>
+            <a:fillRect/>
+          </a:stretch>
+        </p:blipFill>
+        <p:spPr>
+          <a:xfrm>
+            <a:off x="4742727" y="1047357"/>
+            <a:ext cx="4061803" cy="5078414"/>
+          </a:xfrm>
+          <a:prstGeom prst="rect"/>
+        </p:spPr>
+      </p:pic>
+    </p:spTree>
+    <p:extLst>
+      <p:ext uri="{BB962C8B-B14F-4D97-AF65-F5344CB8AC3E}">
+        <p14:creationId xmlns:p14="http://schemas.microsoft.com/office/powerpoint/2010/main" val="3457015451"/>
+      </p:ext>
+    </p:extLst>
+  </p:cSld>
+</p:sld>
+</file>
+
+<file path=ppt/slides/slide29.xml><?xml version="1.0" encoding="utf-8"?>
+<p:sld xmlns:a="http://schemas.openxmlformats.org/drawingml/2006/main" xmlns:p="http://schemas.openxmlformats.org/presentationml/2006/main" xmlns:r="http://schemas.openxmlformats.org/officeDocument/2006/relationships">
+  <p:cSld name="">
+    <p:spTree>
+      <p:nvGrpSpPr>
+        <p:cNvPr id="1" name=""/>
+        <p:cNvGrpSpPr/>
+        <p:nvPr/>
+      </p:nvGrpSpPr>
+      <p:grpSpPr>
+        <a:xfrm>
+          <a:off x="0" y="0"/>
+          <a:ext cx="0" cy="0"/>
+          <a:chOff x="0" y="0"/>
+          <a:chExt cx="0" cy="0"/>
+        </a:xfrm>
+      </p:grpSpPr>
+      <p:sp>
+        <p:nvSpPr>
+          <p:cNvPr id="2" name="Title"/>
+          <p:cNvSpPr>
+            <a:spLocks noGrp="1"/>
+          </p:cNvSpPr>
+          <p:nvPr>
+            <p:ph type="title"/>
+          </p:nvPr>
+        </p:nvSpPr>
+        <p:spPr>
+          <a:xfrm>
+            <a:off x="251113" y="136526"/>
+            <a:ext cx="7886700" cy="668147"/>
+          </a:xfrm>
+        </p:spPr>
+        <p:txBody>
+          <a:bodyPr/>
+          <a:lstStyle/>
+          <a:p>
+            <a:r>
+              <a:t>SlipEnergy difference</a:t>
+            </a:r>
+          </a:p>
+        </p:txBody>
+      </p:sp>
+      <p:pic>
+        <p:nvPicPr>
+          <p:cNvPr id="3" name="Content1"/>
+          <p:cNvPicPr>
+            <a:picLocks noChangeAspect="1" noGrp="1"/>
+          </p:cNvPicPr>
+          <p:nvPr>
+            <p:ph idx="1"/>
+          </p:nvPr>
+        </p:nvPicPr>
+        <p:blipFill>
+          <a:blip r:embed="rId2">
+            <a:extLst>
+              <a:ext uri="{28A0092B-C50C-407E-A947-70E740481C1C}">
+                <a14:useLocalDpi xmlns:a14="http://schemas.microsoft.com/office/drawing/2010/main" val="0"/>
+              </a:ext>
+            </a:extLst>
+          </a:blip>
+          <a:stretch>
+            <a:fillRect/>
+          </a:stretch>
+        </p:blipFill>
+        <p:spPr>
+          <a:xfrm>
+            <a:off x="339471" y="1047357"/>
+            <a:ext cx="4061803" cy="5078414"/>
+          </a:xfrm>
+          <a:prstGeom prst="rect"/>
+        </p:spPr>
+      </p:pic>
+      <p:pic>
+        <p:nvPicPr>
+          <p:cNvPr id="4" name="Content2">
+            <a:extLst>
+              <a:ext uri="{FF2B5EF4-FFF2-40B4-BE49-F238E27FC236}">
+                <a16:creationId xmlns:a16="http://schemas.microsoft.com/office/drawing/2014/main" id="{DD279F9E-6E87-CBAF-5775-B4B0CC0BC9F8}"/>
+              </a:ext>
+            </a:extLst>
+          </p:cNvPr>
+          <p:cNvPicPr>
+            <a:picLocks noChangeAspect="1" noGrp="1"/>
+          </p:cNvPicPr>
+          <p:nvPr>
+            <p:ph idx="10"/>
+          </p:nvPr>
+        </p:nvPicPr>
+        <p:blipFill>
+          <a:blip r:embed="rId3">
+            <a:extLst>
+              <a:ext uri="{28A0092B-C50C-407E-A947-70E740481C1C}">
+                <a14:useLocalDpi xmlns:a14="http://schemas.microsoft.com/office/drawing/2010/main" val="0"/>
+              </a:ext>
+            </a:extLst>
+          </a:blip>
+          <a:stretch>
+            <a:fillRect/>
+          </a:stretch>
+        </p:blipFill>
+        <p:spPr>
+          <a:xfrm>
+            <a:off x="4742727" y="1047357"/>
+            <a:ext cx="4061803" cy="5078414"/>
+          </a:xfrm>
+          <a:prstGeom prst="rect"/>
+        </p:spPr>
+      </p:pic>
+    </p:spTree>
+    <p:extLst>
+      <p:ext uri="{BB962C8B-B14F-4D97-AF65-F5344CB8AC3E}">
+        <p14:creationId xmlns:p14="http://schemas.microsoft.com/office/powerpoint/2010/main" val="3457015451"/>
+      </p:ext>
+    </p:extLst>
+  </p:cSld>
+</p:sld>
+</file>
+
 <file path=ppt/slides/slide3.xml><?xml version="1.0" encoding="utf-8"?>
 <p:sld xmlns:a="http://schemas.openxmlformats.org/drawingml/2006/main" xmlns:p="http://schemas.openxmlformats.org/presentationml/2006/main" xmlns:r="http://schemas.openxmlformats.org/officeDocument/2006/relationships">
   <p:cSld name="">
@@ -4312,7 +4756,7 @@
           <a:lstStyle/>
           <a:p>
             <a:r>
-              <a:t>VeloDelay=20</a:t>
+              <a:t>TargetSpeed_inAcc</a:t>
             </a:r>
           </a:p>
         </p:txBody>
@@ -4341,44 +4785,8 @@
         </p:blipFill>
         <p:spPr>
           <a:xfrm>
-            <a:off x="339471" y="1047357"/>
-            <a:ext cx="4061803" cy="5078414"/>
-          </a:xfrm>
-          <a:prstGeom prst="rect"/>
-        </p:spPr>
-      </p:pic>
-      <p:pic>
-        <p:nvPicPr>
-          <p:cNvPr id="4" name="Content2">
-            <a:extLst>
-              <a:ext uri="{FF2B5EF4-FFF2-40B4-BE49-F238E27FC236}">
-                <a16:creationId xmlns:a16="http://schemas.microsoft.com/office/drawing/2014/main" id="{DD279F9E-6E87-CBAF-5775-B4B0CC0BC9F8}"/>
-              </a:ext>
-            </a:extLst>
-          </p:cNvPr>
-          <p:cNvPicPr>
-            <a:picLocks noChangeAspect="1" noGrp="1"/>
-          </p:cNvPicPr>
-          <p:nvPr>
-            <p:ph idx="10"/>
-          </p:nvPr>
-        </p:nvPicPr>
-        <p:blipFill>
-          <a:blip r:embed="rId3">
-            <a:extLst>
-              <a:ext uri="{28A0092B-C50C-407E-A947-70E740481C1C}">
-                <a14:useLocalDpi xmlns:a14="http://schemas.microsoft.com/office/drawing/2010/main" val="0"/>
-              </a:ext>
-            </a:extLst>
-          </a:blip>
-          <a:stretch>
-            <a:fillRect/>
-          </a:stretch>
-        </p:blipFill>
-        <p:spPr>
-          <a:xfrm>
-            <a:off x="4742727" y="1047357"/>
-            <a:ext cx="4061803" cy="5078414"/>
+            <a:off x="339471" y="1848213"/>
+            <a:ext cx="8586155" cy="3476702"/>
           </a:xfrm>
           <a:prstGeom prst="rect"/>
         </p:spPr>
@@ -4386,7 +4794,7 @@
     </p:spTree>
     <p:extLst>
       <p:ext uri="{BB962C8B-B14F-4D97-AF65-F5344CB8AC3E}">
-        <p14:creationId xmlns:p14="http://schemas.microsoft.com/office/powerpoint/2010/main" val="3457015451"/>
+        <p14:creationId xmlns:p14="http://schemas.microsoft.com/office/powerpoint/2010/main" val="1534215338"/>
       </p:ext>
     </p:extLst>
   </p:cSld>
@@ -4431,7 +4839,7 @@
           <a:lstStyle/>
           <a:p>
             <a:r>
-              <a:t>VeloDelay=40</a:t>
+              <a:t>FeedForward</a:t>
             </a:r>
           </a:p>
         </p:txBody>
@@ -4460,44 +4868,8 @@
         </p:blipFill>
         <p:spPr>
           <a:xfrm>
-            <a:off x="339471" y="1047357"/>
-            <a:ext cx="4061803" cy="5078414"/>
-          </a:xfrm>
-          <a:prstGeom prst="rect"/>
-        </p:spPr>
-      </p:pic>
-      <p:pic>
-        <p:nvPicPr>
-          <p:cNvPr id="4" name="Content2">
-            <a:extLst>
-              <a:ext uri="{FF2B5EF4-FFF2-40B4-BE49-F238E27FC236}">
-                <a16:creationId xmlns:a16="http://schemas.microsoft.com/office/drawing/2014/main" id="{DD279F9E-6E87-CBAF-5775-B4B0CC0BC9F8}"/>
-              </a:ext>
-            </a:extLst>
-          </p:cNvPr>
-          <p:cNvPicPr>
-            <a:picLocks noChangeAspect="1" noGrp="1"/>
-          </p:cNvPicPr>
-          <p:nvPr>
-            <p:ph idx="10"/>
-          </p:nvPr>
-        </p:nvPicPr>
-        <p:blipFill>
-          <a:blip r:embed="rId3">
-            <a:extLst>
-              <a:ext uri="{28A0092B-C50C-407E-A947-70E740481C1C}">
-                <a14:useLocalDpi xmlns:a14="http://schemas.microsoft.com/office/drawing/2010/main" val="0"/>
-              </a:ext>
-            </a:extLst>
-          </a:blip>
-          <a:stretch>
-            <a:fillRect/>
-          </a:stretch>
-        </p:blipFill>
-        <p:spPr>
-          <a:xfrm>
-            <a:off x="4742727" y="1047357"/>
-            <a:ext cx="4061803" cy="5078414"/>
+            <a:off x="1503586" y="1019577"/>
+            <a:ext cx="6257925" cy="5133975"/>
           </a:xfrm>
           <a:prstGeom prst="rect"/>
         </p:spPr>
@@ -4505,7 +4877,7 @@
     </p:spTree>
     <p:extLst>
       <p:ext uri="{BB962C8B-B14F-4D97-AF65-F5344CB8AC3E}">
-        <p14:creationId xmlns:p14="http://schemas.microsoft.com/office/powerpoint/2010/main" val="3457015451"/>
+        <p14:creationId xmlns:p14="http://schemas.microsoft.com/office/powerpoint/2010/main" val="1534215338"/>
       </p:ext>
     </p:extLst>
   </p:cSld>
@@ -4550,7 +4922,7 @@
           <a:lstStyle/>
           <a:p>
             <a:r>
-              <a:t>VeloDelay=60</a:t>
+              <a:t>TractionControl</a:t>
             </a:r>
           </a:p>
         </p:txBody>
@@ -4579,44 +4951,8 @@
         </p:blipFill>
         <p:spPr>
           <a:xfrm>
-            <a:off x="339471" y="1047357"/>
-            <a:ext cx="4061803" cy="5078414"/>
-          </a:xfrm>
-          <a:prstGeom prst="rect"/>
-        </p:spPr>
-      </p:pic>
-      <p:pic>
-        <p:nvPicPr>
-          <p:cNvPr id="4" name="Content2">
-            <a:extLst>
-              <a:ext uri="{FF2B5EF4-FFF2-40B4-BE49-F238E27FC236}">
-                <a16:creationId xmlns:a16="http://schemas.microsoft.com/office/drawing/2014/main" id="{DD279F9E-6E87-CBAF-5775-B4B0CC0BC9F8}"/>
-              </a:ext>
-            </a:extLst>
-          </p:cNvPr>
-          <p:cNvPicPr>
-            <a:picLocks noChangeAspect="1" noGrp="1"/>
-          </p:cNvPicPr>
-          <p:nvPr>
-            <p:ph idx="10"/>
-          </p:nvPr>
-        </p:nvPicPr>
-        <p:blipFill>
-          <a:blip r:embed="rId3">
-            <a:extLst>
-              <a:ext uri="{28A0092B-C50C-407E-A947-70E740481C1C}">
-                <a14:useLocalDpi xmlns:a14="http://schemas.microsoft.com/office/drawing/2010/main" val="0"/>
-              </a:ext>
-            </a:extLst>
-          </a:blip>
-          <a:stretch>
-            <a:fillRect/>
-          </a:stretch>
-        </p:blipFill>
-        <p:spPr>
-          <a:xfrm>
-            <a:off x="4742727" y="1047357"/>
-            <a:ext cx="4061803" cy="5078414"/>
+            <a:off x="339471" y="1848701"/>
+            <a:ext cx="8586155" cy="3475726"/>
           </a:xfrm>
           <a:prstGeom prst="rect"/>
         </p:spPr>
@@ -4624,7 +4960,7 @@
     </p:spTree>
     <p:extLst>
       <p:ext uri="{BB962C8B-B14F-4D97-AF65-F5344CB8AC3E}">
-        <p14:creationId xmlns:p14="http://schemas.microsoft.com/office/powerpoint/2010/main" val="3457015451"/>
+        <p14:creationId xmlns:p14="http://schemas.microsoft.com/office/powerpoint/2010/main" val="1534215338"/>
       </p:ext>
     </p:extLst>
   </p:cSld>
@@ -4669,7 +5005,7 @@
           <a:lstStyle/>
           <a:p>
             <a:r>
-              <a:t>VeloDelay=100</a:t>
+              <a:t>VeloDelay=0</a:t>
             </a:r>
           </a:p>
         </p:txBody>
@@ -4788,7 +5124,7 @@
           <a:lstStyle/>
           <a:p>
             <a:r>
-              <a:t>VeloDelay=120</a:t>
+              <a:t>VeloDelay=20</a:t>
             </a:r>
           </a:p>
         </p:txBody>
@@ -4907,7 +5243,7 @@
           <a:lstStyle/>
           <a:p>
             <a:r>
-              <a:t>VeloDelay=160</a:t>
+              <a:t>VeloDelay=40</a:t>
             </a:r>
           </a:p>
         </p:txBody>
@@ -5026,7 +5362,7 @@
           <a:lstStyle/>
           <a:p>
             <a:r>
-              <a:t>VeloDelay=240</a:t>
+              <a:t>VeloDelay=60</a:t>
             </a:r>
           </a:p>
         </p:txBody>
